--- a/InvestmentAnalysisDetailedReport.pptx
+++ b/InvestmentAnalysisDetailedReport.pptx
@@ -412,7 +412,8 @@
           <a:p>
             <a:fld id="{E3DF2413-5053-4A39-8B0D-54AB9E1AFA72}" type="datetimeFigureOut">
               <a:rPr lang="en-US" smtClean="0"/>
-              <a:t>8/8/2022</a:t>
+              <a:pPr/>
+              <a:t>8/10/2022</a:t>
             </a:fld>
             <a:endParaRPr lang="en-US"/>
           </a:p>
@@ -435,6 +436,7 @@
           <a:p>
             <a:fld id="{8A6180F6-D91F-4583-A8FD-3FF682526A41}" type="slidenum">
               <a:rPr lang="en-US" smtClean="0"/>
+              <a:pPr/>
               <a:t>‹#›</a:t>
             </a:fld>
             <a:endParaRPr lang="en-US"/>
@@ -577,7 +579,8 @@
           <a:p>
             <a:fld id="{E3DF2413-5053-4A39-8B0D-54AB9E1AFA72}" type="datetimeFigureOut">
               <a:rPr lang="en-US" smtClean="0"/>
-              <a:t>8/8/2022</a:t>
+              <a:pPr/>
+              <a:t>8/10/2022</a:t>
             </a:fld>
             <a:endParaRPr lang="en-US"/>
           </a:p>
@@ -619,6 +622,7 @@
           <a:p>
             <a:fld id="{8A6180F6-D91F-4583-A8FD-3FF682526A41}" type="slidenum">
               <a:rPr lang="en-US" smtClean="0"/>
+              <a:pPr/>
               <a:t>‹#›</a:t>
             </a:fld>
             <a:endParaRPr lang="en-US"/>
@@ -752,7 +756,8 @@
           <a:p>
             <a:fld id="{E3DF2413-5053-4A39-8B0D-54AB9E1AFA72}" type="datetimeFigureOut">
               <a:rPr lang="en-US" smtClean="0"/>
-              <a:t>8/8/2022</a:t>
+              <a:pPr/>
+              <a:t>8/10/2022</a:t>
             </a:fld>
             <a:endParaRPr lang="en-US"/>
           </a:p>
@@ -794,6 +799,7 @@
           <a:p>
             <a:fld id="{8A6180F6-D91F-4583-A8FD-3FF682526A41}" type="slidenum">
               <a:rPr lang="en-US" smtClean="0"/>
+              <a:pPr/>
               <a:t>‹#›</a:t>
             </a:fld>
             <a:endParaRPr lang="en-US"/>
@@ -899,7 +905,8 @@
           <a:p>
             <a:fld id="{E3DF2413-5053-4A39-8B0D-54AB9E1AFA72}" type="datetimeFigureOut">
               <a:rPr lang="en-US" smtClean="0"/>
-              <a:t>8/8/2022</a:t>
+              <a:pPr/>
+              <a:t>8/10/2022</a:t>
             </a:fld>
             <a:endParaRPr lang="en-US"/>
           </a:p>
@@ -926,6 +933,7 @@
           <a:p>
             <a:fld id="{8A6180F6-D91F-4583-A8FD-3FF682526A41}" type="slidenum">
               <a:rPr lang="en-US" smtClean="0"/>
+              <a:pPr/>
               <a:t>‹#›</a:t>
             </a:fld>
             <a:endParaRPr lang="en-US"/>
@@ -1016,7 +1024,8 @@
           <a:p>
             <a:fld id="{E3DF2413-5053-4A39-8B0D-54AB9E1AFA72}" type="datetimeFigureOut">
               <a:rPr lang="en-US" smtClean="0"/>
-              <a:t>8/8/2022</a:t>
+              <a:pPr/>
+              <a:t>8/10/2022</a:t>
             </a:fld>
             <a:endParaRPr lang="en-US"/>
           </a:p>
@@ -1058,6 +1067,7 @@
           <a:p>
             <a:fld id="{8A6180F6-D91F-4583-A8FD-3FF682526A41}" type="slidenum">
               <a:rPr lang="en-US" smtClean="0"/>
+              <a:pPr/>
               <a:t>‹#›</a:t>
             </a:fld>
             <a:endParaRPr lang="en-US"/>
@@ -1286,7 +1296,8 @@
           <a:p>
             <a:fld id="{E3DF2413-5053-4A39-8B0D-54AB9E1AFA72}" type="datetimeFigureOut">
               <a:rPr lang="en-US" smtClean="0"/>
-              <a:t>8/8/2022</a:t>
+              <a:pPr/>
+              <a:t>8/10/2022</a:t>
             </a:fld>
             <a:endParaRPr lang="en-US"/>
           </a:p>
@@ -1328,6 +1339,7 @@
           <a:p>
             <a:fld id="{8A6180F6-D91F-4583-A8FD-3FF682526A41}" type="slidenum">
               <a:rPr lang="en-US" smtClean="0"/>
+              <a:pPr/>
               <a:t>‹#›</a:t>
             </a:fld>
             <a:endParaRPr lang="en-US"/>
@@ -1513,6 +1525,7 @@
           <a:p>
             <a:fld id="{8A6180F6-D91F-4583-A8FD-3FF682526A41}" type="slidenum">
               <a:rPr lang="en-US" smtClean="0"/>
+              <a:pPr/>
               <a:t>‹#›</a:t>
             </a:fld>
             <a:endParaRPr lang="en-US"/>
@@ -1555,7 +1568,8 @@
           <a:p>
             <a:fld id="{E3DF2413-5053-4A39-8B0D-54AB9E1AFA72}" type="datetimeFigureOut">
               <a:rPr lang="en-US" smtClean="0"/>
-              <a:t>8/8/2022</a:t>
+              <a:pPr/>
+              <a:t>8/10/2022</a:t>
             </a:fld>
             <a:endParaRPr lang="en-US"/>
           </a:p>
@@ -2002,7 +2016,8 @@
           <a:p>
             <a:fld id="{E3DF2413-5053-4A39-8B0D-54AB9E1AFA72}" type="datetimeFigureOut">
               <a:rPr lang="en-US" smtClean="0"/>
-              <a:t>8/8/2022</a:t>
+              <a:pPr/>
+              <a:t>8/10/2022</a:t>
             </a:fld>
             <a:endParaRPr lang="en-US"/>
           </a:p>
@@ -2044,6 +2059,7 @@
           <a:p>
             <a:fld id="{8A6180F6-D91F-4583-A8FD-3FF682526A41}" type="slidenum">
               <a:rPr lang="en-US" smtClean="0"/>
+              <a:pPr/>
               <a:t>‹#›</a:t>
             </a:fld>
             <a:endParaRPr lang="en-US"/>
@@ -2115,7 +2131,8 @@
           <a:p>
             <a:fld id="{E3DF2413-5053-4A39-8B0D-54AB9E1AFA72}" type="datetimeFigureOut">
               <a:rPr lang="en-US" smtClean="0"/>
-              <a:t>8/8/2022</a:t>
+              <a:pPr/>
+              <a:t>8/10/2022</a:t>
             </a:fld>
             <a:endParaRPr lang="en-US"/>
           </a:p>
@@ -2157,6 +2174,7 @@
           <a:p>
             <a:fld id="{8A6180F6-D91F-4583-A8FD-3FF682526A41}" type="slidenum">
               <a:rPr lang="en-US" smtClean="0"/>
+              <a:pPr/>
               <a:t>‹#›</a:t>
             </a:fld>
             <a:endParaRPr lang="en-US"/>
@@ -2365,7 +2383,8 @@
           <a:p>
             <a:fld id="{E3DF2413-5053-4A39-8B0D-54AB9E1AFA72}" type="datetimeFigureOut">
               <a:rPr lang="en-US" smtClean="0"/>
-              <a:t>8/8/2022</a:t>
+              <a:pPr/>
+              <a:t>8/10/2022</a:t>
             </a:fld>
             <a:endParaRPr lang="en-US"/>
           </a:p>
@@ -2388,6 +2407,7 @@
           <a:p>
             <a:fld id="{8A6180F6-D91F-4583-A8FD-3FF682526A41}" type="slidenum">
               <a:rPr lang="en-US" smtClean="0"/>
+              <a:pPr/>
               <a:t>‹#›</a:t>
             </a:fld>
             <a:endParaRPr lang="en-US"/>
@@ -2605,7 +2625,8 @@
           <a:p>
             <a:fld id="{E3DF2413-5053-4A39-8B0D-54AB9E1AFA72}" type="datetimeFigureOut">
               <a:rPr lang="en-US" smtClean="0"/>
-              <a:t>8/8/2022</a:t>
+              <a:pPr/>
+              <a:t>8/10/2022</a:t>
             </a:fld>
             <a:endParaRPr lang="en-US"/>
           </a:p>
@@ -2628,6 +2649,7 @@
           <a:p>
             <a:fld id="{8A6180F6-D91F-4583-A8FD-3FF682526A41}" type="slidenum">
               <a:rPr lang="en-US" smtClean="0"/>
+              <a:pPr/>
               <a:t>‹#›</a:t>
             </a:fld>
             <a:endParaRPr lang="en-US"/>
@@ -2778,7 +2800,8 @@
           <a:p>
             <a:fld id="{E3DF2413-5053-4A39-8B0D-54AB9E1AFA72}" type="datetimeFigureOut">
               <a:rPr lang="en-US" smtClean="0"/>
-              <a:t>8/8/2022</a:t>
+              <a:pPr/>
+              <a:t>8/10/2022</a:t>
             </a:fld>
             <a:endParaRPr lang="en-US"/>
           </a:p>
@@ -2855,6 +2878,7 @@
           <a:p>
             <a:fld id="{8A6180F6-D91F-4583-A8FD-3FF682526A41}" type="slidenum">
               <a:rPr lang="en-US" smtClean="0"/>
+              <a:pPr/>
               <a:t>‹#›</a:t>
             </a:fld>
             <a:endParaRPr lang="en-US"/>
@@ -3977,8 +4001,8 @@
           <a:lstStyle/>
           <a:p>
             <a:r>
-              <a:rPr lang="en-IN" b="1" dirty="0" smtClean="0"/>
-              <a:t>THANK YOU</a:t>
+              <a:rPr lang="en-IN" b="1" smtClean="0"/>
+              <a:t>THANK YOU </a:t>
             </a:r>
             <a:endParaRPr lang="en-US" b="1" dirty="0"/>
           </a:p>
@@ -4678,55 +4702,35 @@
               <a:rPr lang="en-US" sz="1600" dirty="0" smtClean="0"/>
               <a:t>Investment is a game of understanding historic data of investment objects under different events but it is still a game of chances to minimize the risk we apply analytics to find the equilibrium investment. </a:t>
             </a:r>
+          </a:p>
+          <a:p>
             <a:endParaRPr lang="en-US" sz="1600" dirty="0" smtClean="0"/>
           </a:p>
           <a:p>
+            <a:r>
+              <a:rPr lang="en-US" sz="1600" dirty="0" smtClean="0"/>
+              <a:t>To understand the Foreign direct investment in India for the last 17 years from 2000-01 to 2016-17. This dataset contains sector and financial year-wise data of FDI in India </a:t>
+            </a:r>
+          </a:p>
+          <a:p>
+            <a:r>
+              <a:rPr lang="en-US" sz="1600" dirty="0" smtClean="0"/>
+              <a:t>Sector-wise investment analysis </a:t>
+            </a:r>
+          </a:p>
+          <a:p>
+            <a:r>
+              <a:rPr lang="en-US" sz="1600" dirty="0" smtClean="0"/>
+              <a:t>Year-wise investment analysis </a:t>
+            </a:r>
+          </a:p>
+          <a:p>
             <a:endParaRPr lang="en-US" sz="1600" dirty="0" smtClean="0"/>
           </a:p>
           <a:p>
             <a:r>
               <a:rPr lang="en-US" sz="1600" dirty="0" smtClean="0"/>
-              <a:t>To </a:t>
-            </a:r>
-            <a:r>
-              <a:rPr lang="en-US" sz="1600" dirty="0" smtClean="0"/>
-              <a:t>understand the Foreign direct investment in India for the last 17 years from 2000-01 to 2016-17. This dataset contains sector and financial year-wise data of FDI in India </a:t>
-            </a:r>
-            <a:endParaRPr lang="en-US" sz="1600" dirty="0" smtClean="0"/>
-          </a:p>
-          <a:p>
-            <a:r>
-              <a:rPr lang="en-US" sz="1600" dirty="0" smtClean="0"/>
-              <a:t>Sector-wise </a:t>
-            </a:r>
-            <a:r>
-              <a:rPr lang="en-US" sz="1600" dirty="0" smtClean="0"/>
-              <a:t>investment analysis </a:t>
-            </a:r>
-            <a:endParaRPr lang="en-US" sz="1600" dirty="0" smtClean="0"/>
-          </a:p>
-          <a:p>
-            <a:r>
-              <a:rPr lang="en-US" sz="1600" dirty="0" smtClean="0"/>
-              <a:t>Year-wise </a:t>
-            </a:r>
-            <a:r>
-              <a:rPr lang="en-US" sz="1600" dirty="0" smtClean="0"/>
-              <a:t>investment analysis </a:t>
-            </a:r>
-            <a:endParaRPr lang="en-US" sz="1600" dirty="0" smtClean="0"/>
-          </a:p>
-          <a:p>
-            <a:endParaRPr lang="en-US" sz="1600" dirty="0" smtClean="0"/>
-          </a:p>
-          <a:p>
-            <a:r>
-              <a:rPr lang="en-US" sz="1600" dirty="0" smtClean="0"/>
-              <a:t>Find </a:t>
-            </a:r>
-            <a:r>
-              <a:rPr lang="en-US" sz="1600" dirty="0" smtClean="0"/>
-              <a:t>key metrics and factors and show the meaningful relationships between attributes.</a:t>
+              <a:t>Find key metrics and factors and show the meaningful relationships between attributes.</a:t>
             </a:r>
             <a:endParaRPr lang="en-US" sz="1600" dirty="0"/>
           </a:p>
@@ -4813,7 +4817,7 @@
           <p:cNvPr id="4" name="Content Placeholder 3">
             <a:extLst>
               <a:ext uri="{FF2B5EF4-FFF2-40B4-BE49-F238E27FC236}">
-                <a16:creationId xmlns:a16="http://schemas.microsoft.com/office/drawing/2014/main" xmlns="" id="{0416AEBE-0F42-2B31-89E4-071054361938}"/>
+                <a16:creationId xmlns="" xmlns:a16="http://schemas.microsoft.com/office/drawing/2014/main" id="{0416AEBE-0F42-2B31-89E4-071054361938}"/>
               </a:ext>
             </a:extLst>
           </p:cNvPr>
@@ -4828,7 +4832,7 @@
           <a:blip r:embed="rId2">
             <a:extLst>
               <a:ext uri="{28A0092B-C50C-407E-A947-70E740481C1C}">
-                <a14:useLocalDpi xmlns:a14="http://schemas.microsoft.com/office/drawing/2010/main" xmlns="" val="0"/>
+                <a14:useLocalDpi xmlns="" xmlns:a14="http://schemas.microsoft.com/office/drawing/2010/main" val="0"/>
               </a:ext>
             </a:extLst>
           </a:blip>
@@ -5083,7 +5087,7 @@
           <p:cNvPr id="4" name="Content Placeholder 3">
             <a:extLst>
               <a:ext uri="{FF2B5EF4-FFF2-40B4-BE49-F238E27FC236}">
-                <a16:creationId xmlns:a16="http://schemas.microsoft.com/office/drawing/2014/main" xmlns="" id="{D903054D-4DB3-A188-F6FC-7EF72260073E}"/>
+                <a16:creationId xmlns="" xmlns:a16="http://schemas.microsoft.com/office/drawing/2014/main" id="{D903054D-4DB3-A188-F6FC-7EF72260073E}"/>
               </a:ext>
             </a:extLst>
           </p:cNvPr>
@@ -5098,7 +5102,7 @@
           <a:blip r:embed="rId2">
             <a:extLst>
               <a:ext uri="{28A0092B-C50C-407E-A947-70E740481C1C}">
-                <a14:useLocalDpi xmlns:a14="http://schemas.microsoft.com/office/drawing/2010/main" xmlns="" val="0"/>
+                <a14:useLocalDpi xmlns="" xmlns:a14="http://schemas.microsoft.com/office/drawing/2010/main" val="0"/>
               </a:ext>
             </a:extLst>
           </a:blip>
@@ -5246,11 +5250,7 @@
           <a:p>
             <a:r>
               <a:rPr lang="en-US" sz="1600" dirty="0" smtClean="0"/>
-              <a:t>Maximum investment is done in SERVICES SECTOR in 2016-17 whereas minimum investment is done in COIR</a:t>
-            </a:r>
-            <a:r>
-              <a:rPr lang="en-US" sz="1600" dirty="0" smtClean="0"/>
-              <a:t>.</a:t>
+              <a:t>Maximum investment is done in SERVICES SECTOR in 2016-17 whereas minimum investment is done in COIR.</a:t>
             </a:r>
           </a:p>
           <a:p>
